--- a/SICSA/MAQUETAS/Maqueta.pptx
+++ b/SICSA/MAQUETAS/Maqueta.pptx
@@ -6,9 +6,9 @@
   </p:sldMasterIdLst>
   <p:sldIdLst>
     <p:sldId id="257" r:id="rId2"/>
-    <p:sldId id="258" r:id="rId3"/>
-    <p:sldId id="259" r:id="rId4"/>
-    <p:sldId id="260" r:id="rId5"/>
+    <p:sldId id="260" r:id="rId3"/>
+    <p:sldId id="262" r:id="rId4"/>
+    <p:sldId id="261" r:id="rId5"/>
   </p:sldIdLst>
   <p:sldSz cx="12192000" cy="6858000"/>
   <p:notesSz cx="6858000" cy="9144000"/>
@@ -246,7 +246,7 @@
           <a:p>
             <a:fld id="{B6CFD2DE-9E93-4A3C-9C15-A93175E58E30}" type="datetimeFigureOut">
               <a:rPr lang="es-MX" smtClean="0"/>
-              <a:t>03/08/2023</a:t>
+              <a:t>08/08/2023</a:t>
             </a:fld>
             <a:endParaRPr lang="es-MX"/>
           </a:p>
@@ -416,7 +416,7 @@
           <a:p>
             <a:fld id="{B6CFD2DE-9E93-4A3C-9C15-A93175E58E30}" type="datetimeFigureOut">
               <a:rPr lang="es-MX" smtClean="0"/>
-              <a:t>03/08/2023</a:t>
+              <a:t>08/08/2023</a:t>
             </a:fld>
             <a:endParaRPr lang="es-MX"/>
           </a:p>
@@ -596,7 +596,7 @@
           <a:p>
             <a:fld id="{B6CFD2DE-9E93-4A3C-9C15-A93175E58E30}" type="datetimeFigureOut">
               <a:rPr lang="es-MX" smtClean="0"/>
-              <a:t>03/08/2023</a:t>
+              <a:t>08/08/2023</a:t>
             </a:fld>
             <a:endParaRPr lang="es-MX"/>
           </a:p>
@@ -766,7 +766,7 @@
           <a:p>
             <a:fld id="{B6CFD2DE-9E93-4A3C-9C15-A93175E58E30}" type="datetimeFigureOut">
               <a:rPr lang="es-MX" smtClean="0"/>
-              <a:t>03/08/2023</a:t>
+              <a:t>08/08/2023</a:t>
             </a:fld>
             <a:endParaRPr lang="es-MX"/>
           </a:p>
@@ -1012,7 +1012,7 @@
           <a:p>
             <a:fld id="{B6CFD2DE-9E93-4A3C-9C15-A93175E58E30}" type="datetimeFigureOut">
               <a:rPr lang="es-MX" smtClean="0"/>
-              <a:t>03/08/2023</a:t>
+              <a:t>08/08/2023</a:t>
             </a:fld>
             <a:endParaRPr lang="es-MX"/>
           </a:p>
@@ -1244,7 +1244,7 @@
           <a:p>
             <a:fld id="{B6CFD2DE-9E93-4A3C-9C15-A93175E58E30}" type="datetimeFigureOut">
               <a:rPr lang="es-MX" smtClean="0"/>
-              <a:t>03/08/2023</a:t>
+              <a:t>08/08/2023</a:t>
             </a:fld>
             <a:endParaRPr lang="es-MX"/>
           </a:p>
@@ -1611,7 +1611,7 @@
           <a:p>
             <a:fld id="{B6CFD2DE-9E93-4A3C-9C15-A93175E58E30}" type="datetimeFigureOut">
               <a:rPr lang="es-MX" smtClean="0"/>
-              <a:t>03/08/2023</a:t>
+              <a:t>08/08/2023</a:t>
             </a:fld>
             <a:endParaRPr lang="es-MX"/>
           </a:p>
@@ -1729,7 +1729,7 @@
           <a:p>
             <a:fld id="{B6CFD2DE-9E93-4A3C-9C15-A93175E58E30}" type="datetimeFigureOut">
               <a:rPr lang="es-MX" smtClean="0"/>
-              <a:t>03/08/2023</a:t>
+              <a:t>08/08/2023</a:t>
             </a:fld>
             <a:endParaRPr lang="es-MX"/>
           </a:p>
@@ -1824,7 +1824,7 @@
           <a:p>
             <a:fld id="{B6CFD2DE-9E93-4A3C-9C15-A93175E58E30}" type="datetimeFigureOut">
               <a:rPr lang="es-MX" smtClean="0"/>
-              <a:t>03/08/2023</a:t>
+              <a:t>08/08/2023</a:t>
             </a:fld>
             <a:endParaRPr lang="es-MX"/>
           </a:p>
@@ -2101,7 +2101,7 @@
           <a:p>
             <a:fld id="{B6CFD2DE-9E93-4A3C-9C15-A93175E58E30}" type="datetimeFigureOut">
               <a:rPr lang="es-MX" smtClean="0"/>
-              <a:t>03/08/2023</a:t>
+              <a:t>08/08/2023</a:t>
             </a:fld>
             <a:endParaRPr lang="es-MX"/>
           </a:p>
@@ -2354,7 +2354,7 @@
           <a:p>
             <a:fld id="{B6CFD2DE-9E93-4A3C-9C15-A93175E58E30}" type="datetimeFigureOut">
               <a:rPr lang="es-MX" smtClean="0"/>
-              <a:t>03/08/2023</a:t>
+              <a:t>08/08/2023</a:t>
             </a:fld>
             <a:endParaRPr lang="es-MX"/>
           </a:p>
@@ -2567,7 +2567,7 @@
           <a:p>
             <a:fld id="{B6CFD2DE-9E93-4A3C-9C15-A93175E58E30}" type="datetimeFigureOut">
               <a:rPr lang="es-MX" smtClean="0"/>
-              <a:t>03/08/2023</a:t>
+              <a:t>08/08/2023</a:t>
             </a:fld>
             <a:endParaRPr lang="es-MX"/>
           </a:p>
@@ -3020,11 +3020,6 @@
               </a:rPr>
               <a:t>Sistema de Control y Seguimiento de Auditorias</a:t>
             </a:r>
-            <a:endParaRPr lang="es-MX" sz="4400" b="1" dirty="0" smtClean="0">
-              <a:solidFill>
-                <a:schemeClr val="tx1"/>
-              </a:solidFill>
-            </a:endParaRPr>
           </a:p>
           <a:p>
             <a:pPr algn="ctr"/>
@@ -3301,10 +3296,75 @@
           </a:p>
         </p:txBody>
       </p:sp>
+      <p:pic>
+        <p:nvPicPr>
+          <p:cNvPr id="5" name="Imagen 4"/>
+          <p:cNvPicPr>
+            <a:picLocks noChangeAspect="1"/>
+          </p:cNvPicPr>
+          <p:nvPr/>
+        </p:nvPicPr>
+        <p:blipFill>
+          <a:blip r:embed="rId2"/>
+          <a:stretch>
+            <a:fillRect/>
+          </a:stretch>
+        </p:blipFill>
+        <p:spPr>
+          <a:xfrm>
+            <a:off x="1077238" y="917508"/>
+            <a:ext cx="9830844" cy="5514738"/>
+          </a:xfrm>
+          <a:prstGeom prst="rect">
+            <a:avLst/>
+          </a:prstGeom>
+        </p:spPr>
+      </p:pic>
+      <p:sp>
+        <p:nvSpPr>
+          <p:cNvPr id="6" name="Rectángulo 5"/>
+          <p:cNvSpPr/>
+          <p:nvPr/>
+        </p:nvSpPr>
+        <p:spPr>
+          <a:xfrm>
+            <a:off x="838200" y="365125"/>
+            <a:ext cx="1635690" cy="392700"/>
+          </a:xfrm>
+          <a:prstGeom prst="rect">
+            <a:avLst/>
+          </a:prstGeom>
+        </p:spPr>
+        <p:style>
+          <a:lnRef idx="2">
+            <a:schemeClr val="accent1"/>
+          </a:lnRef>
+          <a:fillRef idx="1">
+            <a:schemeClr val="lt1"/>
+          </a:fillRef>
+          <a:effectRef idx="0">
+            <a:schemeClr val="accent1"/>
+          </a:effectRef>
+          <a:fontRef idx="minor">
+            <a:schemeClr val="dk1"/>
+          </a:fontRef>
+        </p:style>
+        <p:txBody>
+          <a:bodyPr rtlCol="0" anchor="ctr"/>
+          <a:lstStyle/>
+          <a:p>
+            <a:pPr algn="ctr"/>
+            <a:r>
+              <a:rPr lang="es-ES" dirty="0" smtClean="0"/>
+              <a:t>Inicio de Sesión</a:t>
+            </a:r>
+          </a:p>
+        </p:txBody>
+      </p:sp>
     </p:spTree>
     <p:extLst>
       <p:ext uri="{BB962C8B-B14F-4D97-AF65-F5344CB8AC3E}">
-        <p14:creationId xmlns:p14="http://schemas.microsoft.com/office/powerpoint/2010/main" val="2472943079"/>
+        <p14:creationId xmlns:p14="http://schemas.microsoft.com/office/powerpoint/2010/main" val="752318548"/>
       </p:ext>
     </p:extLst>
   </p:cSld>
@@ -3523,10 +3583,52 @@
           </a:p>
         </p:txBody>
       </p:sp>
+      <p:sp>
+        <p:nvSpPr>
+          <p:cNvPr id="6" name="Rectángulo 5"/>
+          <p:cNvSpPr/>
+          <p:nvPr/>
+        </p:nvSpPr>
+        <p:spPr>
+          <a:xfrm>
+            <a:off x="838200" y="365125"/>
+            <a:ext cx="1967630" cy="392700"/>
+          </a:xfrm>
+          <a:prstGeom prst="rect">
+            <a:avLst/>
+          </a:prstGeom>
+        </p:spPr>
+        <p:style>
+          <a:lnRef idx="2">
+            <a:schemeClr val="accent1"/>
+          </a:lnRef>
+          <a:fillRef idx="1">
+            <a:schemeClr val="lt1"/>
+          </a:fillRef>
+          <a:effectRef idx="0">
+            <a:schemeClr val="accent1"/>
+          </a:effectRef>
+          <a:fontRef idx="minor">
+            <a:schemeClr val="dk1"/>
+          </a:fontRef>
+        </p:style>
+        <p:txBody>
+          <a:bodyPr rtlCol="0" anchor="ctr"/>
+          <a:lstStyle/>
+          <a:p>
+            <a:pPr algn="ctr"/>
+            <a:r>
+              <a:rPr lang="es-ES" dirty="0" smtClean="0"/>
+              <a:t>Ventana de Inicio</a:t>
+            </a:r>
+            <a:endParaRPr lang="es-ES" dirty="0" smtClean="0"/>
+          </a:p>
+        </p:txBody>
+      </p:sp>
     </p:spTree>
     <p:extLst>
       <p:ext uri="{BB962C8B-B14F-4D97-AF65-F5344CB8AC3E}">
-        <p14:creationId xmlns:p14="http://schemas.microsoft.com/office/powerpoint/2010/main" val="445202283"/>
+        <p14:creationId xmlns:p14="http://schemas.microsoft.com/office/powerpoint/2010/main" val="1106522961"/>
       </p:ext>
     </p:extLst>
   </p:cSld>
@@ -3591,229 +3693,10 @@
           </a:p>
         </p:txBody>
       </p:sp>
-      <p:sp>
-        <p:nvSpPr>
-          <p:cNvPr id="4" name="Rectángulo 3"/>
-          <p:cNvSpPr/>
-          <p:nvPr/>
-        </p:nvSpPr>
-        <p:spPr>
-          <a:xfrm>
-            <a:off x="175491" y="94672"/>
-            <a:ext cx="11841018" cy="6668656"/>
-          </a:xfrm>
-          <a:prstGeom prst="rect">
-            <a:avLst/>
-          </a:prstGeom>
-          <a:solidFill>
-            <a:schemeClr val="bg2">
-              <a:lumMod val="50000"/>
-            </a:schemeClr>
-          </a:solidFill>
-          <a:ln>
-            <a:noFill/>
-          </a:ln>
-          <a:effectLst>
-            <a:outerShdw blurRad="114300" sx="102000" sy="102000" algn="ctr" rotWithShape="0">
-              <a:prstClr val="black">
-                <a:alpha val="11000"/>
-              </a:prstClr>
-            </a:outerShdw>
-          </a:effectLst>
-        </p:spPr>
-        <p:style>
-          <a:lnRef idx="2">
-            <a:schemeClr val="accent1">
-              <a:shade val="50000"/>
-            </a:schemeClr>
-          </a:lnRef>
-          <a:fillRef idx="1">
-            <a:schemeClr val="accent1"/>
-          </a:fillRef>
-          <a:effectRef idx="0">
-            <a:schemeClr val="accent1"/>
-          </a:effectRef>
-          <a:fontRef idx="minor">
-            <a:schemeClr val="lt1"/>
-          </a:fontRef>
-        </p:style>
-        <p:txBody>
-          <a:bodyPr rot="0" spcFirstLastPara="0" vert="horz" wrap="square" lIns="91440" tIns="45720" rIns="91440" bIns="45720" numCol="1" spcCol="0" rtlCol="0" fromWordArt="0" anchor="ctr" anchorCtr="0" forceAA="0" compatLnSpc="1">
-            <a:prstTxWarp prst="textNoShape">
-              <a:avLst/>
-            </a:prstTxWarp>
-            <a:noAutofit/>
-          </a:bodyPr>
-          <a:lstStyle>
-            <a:defPPr>
-              <a:defRPr lang="en-US"/>
-            </a:defPPr>
-            <a:lvl1pPr marL="0" algn="l" defTabSz="457200" rtl="0" eaLnBrk="1" latinLnBrk="0" hangingPunct="1">
-              <a:defRPr sz="1800" kern="1200">
-                <a:solidFill>
-                  <a:schemeClr val="lt1"/>
-                </a:solidFill>
-                <a:latin typeface="+mn-lt"/>
-                <a:ea typeface="+mn-ea"/>
-                <a:cs typeface="+mn-cs"/>
-              </a:defRPr>
-            </a:lvl1pPr>
-            <a:lvl2pPr marL="457200" algn="l" defTabSz="457200" rtl="0" eaLnBrk="1" latinLnBrk="0" hangingPunct="1">
-              <a:defRPr sz="1800" kern="1200">
-                <a:solidFill>
-                  <a:schemeClr val="lt1"/>
-                </a:solidFill>
-                <a:latin typeface="+mn-lt"/>
-                <a:ea typeface="+mn-ea"/>
-                <a:cs typeface="+mn-cs"/>
-              </a:defRPr>
-            </a:lvl2pPr>
-            <a:lvl3pPr marL="914400" algn="l" defTabSz="457200" rtl="0" eaLnBrk="1" latinLnBrk="0" hangingPunct="1">
-              <a:defRPr sz="1800" kern="1200">
-                <a:solidFill>
-                  <a:schemeClr val="lt1"/>
-                </a:solidFill>
-                <a:latin typeface="+mn-lt"/>
-                <a:ea typeface="+mn-ea"/>
-                <a:cs typeface="+mn-cs"/>
-              </a:defRPr>
-            </a:lvl3pPr>
-            <a:lvl4pPr marL="1371600" algn="l" defTabSz="457200" rtl="0" eaLnBrk="1" latinLnBrk="0" hangingPunct="1">
-              <a:defRPr sz="1800" kern="1200">
-                <a:solidFill>
-                  <a:schemeClr val="lt1"/>
-                </a:solidFill>
-                <a:latin typeface="+mn-lt"/>
-                <a:ea typeface="+mn-ea"/>
-                <a:cs typeface="+mn-cs"/>
-              </a:defRPr>
-            </a:lvl4pPr>
-            <a:lvl5pPr marL="1828800" algn="l" defTabSz="457200" rtl="0" eaLnBrk="1" latinLnBrk="0" hangingPunct="1">
-              <a:defRPr sz="1800" kern="1200">
-                <a:solidFill>
-                  <a:schemeClr val="lt1"/>
-                </a:solidFill>
-                <a:latin typeface="+mn-lt"/>
-                <a:ea typeface="+mn-ea"/>
-                <a:cs typeface="+mn-cs"/>
-              </a:defRPr>
-            </a:lvl5pPr>
-            <a:lvl6pPr marL="2286000" algn="l" defTabSz="457200" rtl="0" eaLnBrk="1" latinLnBrk="0" hangingPunct="1">
-              <a:defRPr sz="1800" kern="1200">
-                <a:solidFill>
-                  <a:schemeClr val="lt1"/>
-                </a:solidFill>
-                <a:latin typeface="+mn-lt"/>
-                <a:ea typeface="+mn-ea"/>
-                <a:cs typeface="+mn-cs"/>
-              </a:defRPr>
-            </a:lvl6pPr>
-            <a:lvl7pPr marL="2743200" algn="l" defTabSz="457200" rtl="0" eaLnBrk="1" latinLnBrk="0" hangingPunct="1">
-              <a:defRPr sz="1800" kern="1200">
-                <a:solidFill>
-                  <a:schemeClr val="lt1"/>
-                </a:solidFill>
-                <a:latin typeface="+mn-lt"/>
-                <a:ea typeface="+mn-ea"/>
-                <a:cs typeface="+mn-cs"/>
-              </a:defRPr>
-            </a:lvl7pPr>
-            <a:lvl8pPr marL="3200400" algn="l" defTabSz="457200" rtl="0" eaLnBrk="1" latinLnBrk="0" hangingPunct="1">
-              <a:defRPr sz="1800" kern="1200">
-                <a:solidFill>
-                  <a:schemeClr val="lt1"/>
-                </a:solidFill>
-                <a:latin typeface="+mn-lt"/>
-                <a:ea typeface="+mn-ea"/>
-                <a:cs typeface="+mn-cs"/>
-              </a:defRPr>
-            </a:lvl8pPr>
-            <a:lvl9pPr marL="3657600" algn="l" defTabSz="457200" rtl="0" eaLnBrk="1" latinLnBrk="0" hangingPunct="1">
-              <a:defRPr sz="1800" kern="1200">
-                <a:solidFill>
-                  <a:schemeClr val="lt1"/>
-                </a:solidFill>
-                <a:latin typeface="+mn-lt"/>
-                <a:ea typeface="+mn-ea"/>
-                <a:cs typeface="+mn-cs"/>
-              </a:defRPr>
-            </a:lvl9pPr>
-          </a:lstStyle>
-          <a:p>
-            <a:pPr algn="ctr"/>
-            <a:endParaRPr lang="es-MX" b="1" dirty="0"/>
-          </a:p>
-        </p:txBody>
-      </p:sp>
-      <p:pic>
-        <p:nvPicPr>
-          <p:cNvPr id="5" name="Imagen 4"/>
-          <p:cNvPicPr>
-            <a:picLocks noChangeAspect="1"/>
-          </p:cNvPicPr>
-          <p:nvPr/>
-        </p:nvPicPr>
-        <p:blipFill>
-          <a:blip r:embed="rId2"/>
-          <a:stretch>
-            <a:fillRect/>
-          </a:stretch>
-        </p:blipFill>
-        <p:spPr>
-          <a:xfrm>
-            <a:off x="1077238" y="917508"/>
-            <a:ext cx="9830844" cy="5514738"/>
-          </a:xfrm>
-          <a:prstGeom prst="rect">
-            <a:avLst/>
-          </a:prstGeom>
-        </p:spPr>
-      </p:pic>
-      <p:sp>
-        <p:nvSpPr>
-          <p:cNvPr id="6" name="Rectángulo 5"/>
-          <p:cNvSpPr/>
-          <p:nvPr/>
-        </p:nvSpPr>
-        <p:spPr>
-          <a:xfrm>
-            <a:off x="838200" y="365125"/>
-            <a:ext cx="1635690" cy="392700"/>
-          </a:xfrm>
-          <a:prstGeom prst="rect">
-            <a:avLst/>
-          </a:prstGeom>
-        </p:spPr>
-        <p:style>
-          <a:lnRef idx="2">
-            <a:schemeClr val="accent1"/>
-          </a:lnRef>
-          <a:fillRef idx="1">
-            <a:schemeClr val="lt1"/>
-          </a:fillRef>
-          <a:effectRef idx="0">
-            <a:schemeClr val="accent1"/>
-          </a:effectRef>
-          <a:fontRef idx="minor">
-            <a:schemeClr val="dk1"/>
-          </a:fontRef>
-        </p:style>
-        <p:txBody>
-          <a:bodyPr rtlCol="0" anchor="ctr"/>
-          <a:lstStyle/>
-          <a:p>
-            <a:pPr algn="ctr"/>
-            <a:r>
-              <a:rPr lang="es-ES" dirty="0" smtClean="0"/>
-              <a:t>Inicio de Sesión</a:t>
-            </a:r>
-          </a:p>
-        </p:txBody>
-      </p:sp>
     </p:spTree>
     <p:extLst>
       <p:ext uri="{BB962C8B-B14F-4D97-AF65-F5344CB8AC3E}">
-        <p14:creationId xmlns:p14="http://schemas.microsoft.com/office/powerpoint/2010/main" val="752318548"/>
+        <p14:creationId xmlns:p14="http://schemas.microsoft.com/office/powerpoint/2010/main" val="3515905071"/>
       </p:ext>
     </p:extLst>
   </p:cSld>
